--- a/2022-2023/english/sem2/2 pair/articles/second/presentation2.pptx
+++ b/2022-2023/english/sem2/2 pair/articles/second/presentation2.pptx
@@ -111,6 +111,11 @@
       </a:defRPr>
     </a:lvl9pPr>
   </p:defaultTextStyle>
+  <p:extLst>
+    <p:ext uri="{EFAFB233-063F-42B5-8137-9DF3F51BA10A}">
+      <p15:sldGuideLst xmlns:p15="http://schemas.microsoft.com/office/powerpoint/2012/main"/>
+    </p:ext>
+  </p:extLst>
 </p:presentation>
 </file>
 
@@ -261,7 +266,7 @@
           <a:p>
             <a:fld id="{A9C7C34E-7F4E-0243-AF7C-FA3E1F845E2C}" type="datetimeFigureOut">
               <a:rPr lang="ru-RU" smtClean="0"/>
-              <a:t>05.05.2023</a:t>
+              <a:t>12.05.2023</a:t>
             </a:fld>
             <a:endParaRPr lang="ru-RU"/>
           </a:p>
@@ -459,7 +464,7 @@
           <a:p>
             <a:fld id="{A9C7C34E-7F4E-0243-AF7C-FA3E1F845E2C}" type="datetimeFigureOut">
               <a:rPr lang="ru-RU" smtClean="0"/>
-              <a:t>05.05.2023</a:t>
+              <a:t>12.05.2023</a:t>
             </a:fld>
             <a:endParaRPr lang="ru-RU"/>
           </a:p>
@@ -667,7 +672,7 @@
           <a:p>
             <a:fld id="{A9C7C34E-7F4E-0243-AF7C-FA3E1F845E2C}" type="datetimeFigureOut">
               <a:rPr lang="ru-RU" smtClean="0"/>
-              <a:t>05.05.2023</a:t>
+              <a:t>12.05.2023</a:t>
             </a:fld>
             <a:endParaRPr lang="ru-RU"/>
           </a:p>
@@ -865,7 +870,7 @@
           <a:p>
             <a:fld id="{A9C7C34E-7F4E-0243-AF7C-FA3E1F845E2C}" type="datetimeFigureOut">
               <a:rPr lang="ru-RU" smtClean="0"/>
-              <a:t>05.05.2023</a:t>
+              <a:t>12.05.2023</a:t>
             </a:fld>
             <a:endParaRPr lang="ru-RU"/>
           </a:p>
@@ -1140,7 +1145,7 @@
           <a:p>
             <a:fld id="{A9C7C34E-7F4E-0243-AF7C-FA3E1F845E2C}" type="datetimeFigureOut">
               <a:rPr lang="ru-RU" smtClean="0"/>
-              <a:t>05.05.2023</a:t>
+              <a:t>12.05.2023</a:t>
             </a:fld>
             <a:endParaRPr lang="ru-RU"/>
           </a:p>
@@ -1405,7 +1410,7 @@
           <a:p>
             <a:fld id="{A9C7C34E-7F4E-0243-AF7C-FA3E1F845E2C}" type="datetimeFigureOut">
               <a:rPr lang="ru-RU" smtClean="0"/>
-              <a:t>05.05.2023</a:t>
+              <a:t>12.05.2023</a:t>
             </a:fld>
             <a:endParaRPr lang="ru-RU"/>
           </a:p>
@@ -1817,7 +1822,7 @@
           <a:p>
             <a:fld id="{A9C7C34E-7F4E-0243-AF7C-FA3E1F845E2C}" type="datetimeFigureOut">
               <a:rPr lang="ru-RU" smtClean="0"/>
-              <a:t>05.05.2023</a:t>
+              <a:t>12.05.2023</a:t>
             </a:fld>
             <a:endParaRPr lang="ru-RU"/>
           </a:p>
@@ -1958,7 +1963,7 @@
           <a:p>
             <a:fld id="{A9C7C34E-7F4E-0243-AF7C-FA3E1F845E2C}" type="datetimeFigureOut">
               <a:rPr lang="ru-RU" smtClean="0"/>
-              <a:t>05.05.2023</a:t>
+              <a:t>12.05.2023</a:t>
             </a:fld>
             <a:endParaRPr lang="ru-RU"/>
           </a:p>
@@ -2071,7 +2076,7 @@
           <a:p>
             <a:fld id="{A9C7C34E-7F4E-0243-AF7C-FA3E1F845E2C}" type="datetimeFigureOut">
               <a:rPr lang="ru-RU" smtClean="0"/>
-              <a:t>05.05.2023</a:t>
+              <a:t>12.05.2023</a:t>
             </a:fld>
             <a:endParaRPr lang="ru-RU"/>
           </a:p>
@@ -2382,7 +2387,7 @@
           <a:p>
             <a:fld id="{A9C7C34E-7F4E-0243-AF7C-FA3E1F845E2C}" type="datetimeFigureOut">
               <a:rPr lang="ru-RU" smtClean="0"/>
-              <a:t>05.05.2023</a:t>
+              <a:t>12.05.2023</a:t>
             </a:fld>
             <a:endParaRPr lang="ru-RU"/>
           </a:p>
@@ -2670,7 +2675,7 @@
           <a:p>
             <a:fld id="{A9C7C34E-7F4E-0243-AF7C-FA3E1F845E2C}" type="datetimeFigureOut">
               <a:rPr lang="ru-RU" smtClean="0"/>
-              <a:t>05.05.2023</a:t>
+              <a:t>12.05.2023</a:t>
             </a:fld>
             <a:endParaRPr lang="ru-RU"/>
           </a:p>
@@ -2911,7 +2916,7 @@
           <a:p>
             <a:fld id="{A9C7C34E-7F4E-0243-AF7C-FA3E1F845E2C}" type="datetimeFigureOut">
               <a:rPr lang="ru-RU" smtClean="0"/>
-              <a:t>05.05.2023</a:t>
+              <a:t>12.05.2023</a:t>
             </a:fld>
             <a:endParaRPr lang="ru-RU"/>
           </a:p>
@@ -3346,7 +3351,7 @@
         </p:nvSpPr>
         <p:spPr>
           <a:xfrm>
-            <a:off x="1524000" y="2235200"/>
+            <a:off x="1524000" y="1641643"/>
             <a:ext cx="9144000" cy="2387600"/>
           </a:xfrm>
         </p:spPr>
@@ -3475,11 +3480,17 @@
             <p:ph type="title"/>
           </p:nvPr>
         </p:nvSpPr>
-        <p:spPr/>
-        <p:txBody>
-          <a:bodyPr/>
-          <a:lstStyle/>
-          <a:p>
+        <p:spPr>
+          <a:xfrm>
+            <a:off x="838200" y="18256"/>
+            <a:ext cx="10515600" cy="992398"/>
+          </a:xfrm>
+        </p:spPr>
+        <p:txBody>
+          <a:bodyPr/>
+          <a:lstStyle/>
+          <a:p>
+            <a:pPr algn="ctr"/>
             <a:r>
               <a:rPr lang="en-US" dirty="0"/>
               <a:t>Content:</a:t>
@@ -3509,45 +3520,30 @@
           <a:bodyPr/>
           <a:lstStyle/>
           <a:p>
-            <a:pPr marL="0" indent="0">
-              <a:buNone/>
-            </a:pPr>
             <a:r>
               <a:rPr lang="en-US" dirty="0"/>
               <a:t>Aims and tasks</a:t>
             </a:r>
           </a:p>
           <a:p>
-            <a:pPr marL="0" indent="0">
-              <a:buNone/>
-            </a:pPr>
             <a:r>
               <a:rPr lang="en-US" dirty="0"/>
               <a:t>Methodology</a:t>
             </a:r>
           </a:p>
           <a:p>
-            <a:pPr marL="0" indent="0">
-              <a:buNone/>
-            </a:pPr>
             <a:r>
               <a:rPr lang="en-US" dirty="0"/>
               <a:t>Research</a:t>
             </a:r>
           </a:p>
           <a:p>
-            <a:pPr marL="0" indent="0">
-              <a:buNone/>
-            </a:pPr>
             <a:r>
               <a:rPr lang="en-US" dirty="0"/>
               <a:t>Results</a:t>
             </a:r>
           </a:p>
           <a:p>
-            <a:pPr marL="0" indent="0">
-              <a:buNone/>
-            </a:pPr>
             <a:r>
               <a:rPr lang="en-US" dirty="0"/>
               <a:t>Conclusion</a:t>
@@ -3612,6 +3608,7 @@
           <a:bodyPr/>
           <a:lstStyle/>
           <a:p>
+            <a:pPr algn="ctr"/>
             <a:r>
               <a:rPr lang="en-US" dirty="0"/>
               <a:t>Aims and tasks</a:t>
@@ -3761,6 +3758,7 @@
           <a:bodyPr/>
           <a:lstStyle/>
           <a:p>
+            <a:pPr algn="ctr"/>
             <a:r>
               <a:rPr lang="en-US" dirty="0"/>
               <a:t>Methodology</a:t>
@@ -3900,6 +3898,7 @@
           <a:bodyPr/>
           <a:lstStyle/>
           <a:p>
+            <a:pPr algn="ctr"/>
             <a:r>
               <a:rPr lang="en-US" dirty="0"/>
               <a:t>Research</a:t>
@@ -3926,8 +3925,8 @@
         </p:nvSpPr>
         <p:spPr>
           <a:xfrm>
-            <a:off x="838200" y="1051367"/>
-            <a:ext cx="10515600" cy="5125596"/>
+            <a:off x="838200" y="1713780"/>
+            <a:ext cx="10515600" cy="3722521"/>
           </a:xfrm>
         </p:spPr>
         <p:txBody>
@@ -4016,6 +4015,7 @@
           <a:bodyPr/>
           <a:lstStyle/>
           <a:p>
+            <a:pPr algn="ctr"/>
             <a:r>
               <a:rPr lang="en-US" dirty="0"/>
               <a:t>Results</a:t>
@@ -4099,11 +4099,17 @@
             <p:ph type="title"/>
           </p:nvPr>
         </p:nvSpPr>
-        <p:spPr/>
-        <p:txBody>
-          <a:bodyPr/>
-          <a:lstStyle/>
-          <a:p>
+        <p:spPr>
+          <a:xfrm>
+            <a:off x="838200" y="172619"/>
+            <a:ext cx="10515600" cy="712603"/>
+          </a:xfrm>
+        </p:spPr>
+        <p:txBody>
+          <a:bodyPr/>
+          <a:lstStyle/>
+          <a:p>
+            <a:pPr algn="ctr"/>
             <a:r>
               <a:rPr lang="en-US" dirty="0"/>
               <a:t>Results</a:t>
@@ -4136,8 +4142,8 @@
         </p:blipFill>
         <p:spPr>
           <a:xfrm>
-            <a:off x="2305050" y="1690688"/>
-            <a:ext cx="7581900" cy="1968500"/>
+            <a:off x="1199028" y="1231954"/>
+            <a:ext cx="9793944" cy="2542816"/>
           </a:xfrm>
         </p:spPr>
       </p:pic>
@@ -4163,8 +4169,8 @@
         </p:blipFill>
         <p:spPr>
           <a:xfrm>
-            <a:off x="2305050" y="3811772"/>
-            <a:ext cx="7581900" cy="1968500"/>
+            <a:off x="1407575" y="3774770"/>
+            <a:ext cx="9793944" cy="2542816"/>
           </a:xfrm>
           <a:prstGeom prst="rect">
             <a:avLst/>
@@ -4219,7 +4225,7 @@
         </p:nvSpPr>
         <p:spPr>
           <a:xfrm>
-            <a:off x="838200" y="365125"/>
+            <a:off x="838200" y="188661"/>
             <a:ext cx="10515600" cy="698131"/>
           </a:xfrm>
         </p:spPr>
@@ -4227,6 +4233,7 @@
           <a:bodyPr/>
           <a:lstStyle/>
           <a:p>
+            <a:pPr algn="ctr"/>
             <a:r>
               <a:rPr lang="en-US" dirty="0"/>
               <a:t>Conclusion</a:t>
